--- a/Dream_SFT_Project_Submission/debug日志（草稿）.pptx
+++ b/Dream_SFT_Project_Submission/debug日志（草稿）.pptx
@@ -7964,8 +7964,16 @@
               <a:t>https://github.com/dllm-reasoning/d1/blob/main/SFT/sft_trainer.py</a:t>
             </a:r>
             <a:r>
-              <a:rPr lang="zh-CN" altLang="en-US"/>
+              <a:rPr lang="zh-CN" altLang="en-US" dirty="0"/>
               <a:t>有人解决了预处理的问题</a:t>
+            </a:r>
+            <a:r>
+              <a:rPr lang="en-US" altLang="zh-CN" dirty="0"/>
+              <a:t>--</a:t>
+            </a:r>
+            <a:r>
+              <a:rPr lang="zh-CN" altLang="en-US" dirty="0"/>
+              <a:t>失败，生成内容更差劲</a:t>
             </a:r>
           </a:p>
         </p:txBody>
@@ -8268,8 +8276,56 @@
             </a:r>
             <a:r>
               <a:rPr lang="zh-CN" altLang="en-US" dirty="0"/>
-              <a:t>来找到。</a:t>
-            </a:r>
+              <a:t>来找到。生成内容更差劲，失败。</a:t>
+            </a:r>
+            <a:endParaRPr lang="en-US" altLang="zh-CN" dirty="0"/>
+          </a:p>
+          <a:p>
+            <a:r>
+              <a:rPr lang="zh-CN" altLang="en-US" dirty="0"/>
+              <a:t>由于测试了</a:t>
+            </a:r>
+            <a:r>
+              <a:rPr lang="en-US" altLang="zh-CN" dirty="0" err="1"/>
+              <a:t>qwen</a:t>
+            </a:r>
+            <a:r>
+              <a:rPr lang="zh-CN" altLang="en-US" dirty="0"/>
+              <a:t>，</a:t>
+            </a:r>
+            <a:r>
+              <a:rPr lang="en-US" altLang="zh-CN" dirty="0"/>
+              <a:t>dream7b-instruct</a:t>
+            </a:r>
+            <a:r>
+              <a:rPr lang="zh-CN" altLang="en-US" dirty="0"/>
+              <a:t>等模型，在相同代码的前提下</a:t>
+            </a:r>
+            <a:r>
+              <a:rPr lang="en-US" altLang="zh-CN" dirty="0" err="1"/>
+              <a:t>qwen</a:t>
+            </a:r>
+            <a:r>
+              <a:rPr lang="zh-CN" altLang="en-US" dirty="0"/>
+              <a:t>产生了不错的回复，</a:t>
+            </a:r>
+            <a:r>
+              <a:rPr lang="en-US" altLang="zh-CN" dirty="0"/>
+              <a:t>dream7b-instruct</a:t>
+            </a:r>
+            <a:r>
+              <a:rPr lang="zh-CN" altLang="en-US" dirty="0"/>
+              <a:t>依旧胡言乱语，得出代码本身并没有问题，是模型出了问题。在相同模型的情况下，测试了用</a:t>
+            </a:r>
+            <a:r>
+              <a:rPr lang="en-US" altLang="zh-CN" dirty="0" err="1"/>
+              <a:t>github</a:t>
+            </a:r>
+            <a:r>
+              <a:rPr lang="zh-CN" altLang="en-US"/>
+              <a:t>里提供的预处理代码，结果比自己写的更差。</a:t>
+            </a:r>
+            <a:endParaRPr lang="zh-CN" altLang="en-US" dirty="0"/>
           </a:p>
         </p:txBody>
       </p:sp>
